--- a/docs/assets/logo.pptx
+++ b/docs/assets/logo.pptx
@@ -104,6 +104,11 @@
       </a:defRPr>
     </a:lvl9pPr>
   </p:defaultTextStyle>
+  <p:extLst>
+    <p:ext uri="{EFAFB233-063F-42B5-8137-9DF3F51BA10A}">
+      <p15:sldGuideLst xmlns:p15="http://schemas.microsoft.com/office/powerpoint/2012/main"/>
+    </p:ext>
+  </p:extLst>
 </p:presentation>
 </file>
 
@@ -4802,6 +4807,980 @@
           </a:p>
         </p:txBody>
       </p:sp>
+      <p:grpSp>
+        <p:nvGrpSpPr>
+          <p:cNvPr id="8" name="Group 7">
+            <a:extLst>
+              <a:ext uri="{FF2B5EF4-FFF2-40B4-BE49-F238E27FC236}">
+                <a16:creationId xmlns:a16="http://schemas.microsoft.com/office/drawing/2014/main" id="{505AE61A-7079-1437-E837-A458AD17CFE8}"/>
+              </a:ext>
+            </a:extLst>
+          </p:cNvPr>
+          <p:cNvGrpSpPr/>
+          <p:nvPr/>
+        </p:nvGrpSpPr>
+        <p:grpSpPr>
+          <a:xfrm>
+            <a:off x="384624" y="384622"/>
+            <a:ext cx="3802750" cy="3802753"/>
+            <a:chOff x="384624" y="384622"/>
+            <a:chExt cx="3802750" cy="3802753"/>
+          </a:xfrm>
+          <a:solidFill>
+            <a:schemeClr val="tx1"/>
+          </a:solidFill>
+        </p:grpSpPr>
+        <p:sp>
+          <p:nvSpPr>
+            <p:cNvPr id="2" name="Oval 1">
+              <a:extLst>
+                <a:ext uri="{FF2B5EF4-FFF2-40B4-BE49-F238E27FC236}">
+                  <a16:creationId xmlns:a16="http://schemas.microsoft.com/office/drawing/2014/main" id="{80A2CE50-DEEC-EC55-2183-AAEAE3F31C29}"/>
+                </a:ext>
+              </a:extLst>
+            </p:cNvPr>
+            <p:cNvSpPr/>
+            <p:nvPr/>
+          </p:nvSpPr>
+          <p:spPr>
+            <a:xfrm>
+              <a:off x="924360" y="924360"/>
+              <a:ext cx="100117" cy="100117"/>
+            </a:xfrm>
+            <a:prstGeom prst="ellipse">
+              <a:avLst/>
+            </a:prstGeom>
+            <a:grpFill/>
+            <a:ln>
+              <a:noFill/>
+            </a:ln>
+          </p:spPr>
+          <p:style>
+            <a:lnRef idx="2">
+              <a:schemeClr val="accent1">
+                <a:shade val="50000"/>
+              </a:schemeClr>
+            </a:lnRef>
+            <a:fillRef idx="1">
+              <a:schemeClr val="accent1"/>
+            </a:fillRef>
+            <a:effectRef idx="0">
+              <a:schemeClr val="accent1"/>
+            </a:effectRef>
+            <a:fontRef idx="minor">
+              <a:schemeClr val="lt1"/>
+            </a:fontRef>
+          </p:style>
+          <p:txBody>
+            <a:bodyPr rtlCol="0" anchor="ctr"/>
+            <a:lstStyle/>
+            <a:p>
+              <a:pPr algn="ctr"/>
+              <a:endParaRPr lang="en-US"/>
+            </a:p>
+          </p:txBody>
+        </p:sp>
+        <p:sp>
+          <p:nvSpPr>
+            <p:cNvPr id="43" name="Oval 42">
+              <a:extLst>
+                <a:ext uri="{FF2B5EF4-FFF2-40B4-BE49-F238E27FC236}">
+                  <a16:creationId xmlns:a16="http://schemas.microsoft.com/office/drawing/2014/main" id="{761FB570-8767-351D-0823-285CB7C0ADEB}"/>
+                </a:ext>
+              </a:extLst>
+            </p:cNvPr>
+            <p:cNvSpPr/>
+            <p:nvPr/>
+          </p:nvSpPr>
+          <p:spPr>
+            <a:xfrm>
+              <a:off x="2236016" y="384622"/>
+              <a:ext cx="100117" cy="100117"/>
+            </a:xfrm>
+            <a:prstGeom prst="ellipse">
+              <a:avLst/>
+            </a:prstGeom>
+            <a:grpFill/>
+            <a:ln>
+              <a:noFill/>
+            </a:ln>
+          </p:spPr>
+          <p:style>
+            <a:lnRef idx="2">
+              <a:schemeClr val="accent1">
+                <a:shade val="50000"/>
+              </a:schemeClr>
+            </a:lnRef>
+            <a:fillRef idx="1">
+              <a:schemeClr val="accent1"/>
+            </a:fillRef>
+            <a:effectRef idx="0">
+              <a:schemeClr val="accent1"/>
+            </a:effectRef>
+            <a:fontRef idx="minor">
+              <a:schemeClr val="lt1"/>
+            </a:fontRef>
+          </p:style>
+          <p:txBody>
+            <a:bodyPr rtlCol="0" anchor="ctr"/>
+            <a:lstStyle/>
+            <a:p>
+              <a:pPr algn="ctr"/>
+              <a:endParaRPr lang="en-US"/>
+            </a:p>
+          </p:txBody>
+        </p:sp>
+        <p:sp>
+          <p:nvSpPr>
+            <p:cNvPr id="44" name="Oval 43">
+              <a:extLst>
+                <a:ext uri="{FF2B5EF4-FFF2-40B4-BE49-F238E27FC236}">
+                  <a16:creationId xmlns:a16="http://schemas.microsoft.com/office/drawing/2014/main" id="{E6D3A78F-3B7C-345E-6012-D50F000D5986}"/>
+                </a:ext>
+              </a:extLst>
+            </p:cNvPr>
+            <p:cNvSpPr/>
+            <p:nvPr/>
+          </p:nvSpPr>
+          <p:spPr>
+            <a:xfrm>
+              <a:off x="3545019" y="926860"/>
+              <a:ext cx="100117" cy="100117"/>
+            </a:xfrm>
+            <a:prstGeom prst="ellipse">
+              <a:avLst/>
+            </a:prstGeom>
+            <a:grpFill/>
+            <a:ln>
+              <a:noFill/>
+            </a:ln>
+          </p:spPr>
+          <p:style>
+            <a:lnRef idx="2">
+              <a:schemeClr val="accent1">
+                <a:shade val="50000"/>
+              </a:schemeClr>
+            </a:lnRef>
+            <a:fillRef idx="1">
+              <a:schemeClr val="accent1"/>
+            </a:fillRef>
+            <a:effectRef idx="0">
+              <a:schemeClr val="accent1"/>
+            </a:effectRef>
+            <a:fontRef idx="minor">
+              <a:schemeClr val="lt1"/>
+            </a:fontRef>
+          </p:style>
+          <p:txBody>
+            <a:bodyPr rtlCol="0" anchor="ctr"/>
+            <a:lstStyle/>
+            <a:p>
+              <a:pPr algn="ctr"/>
+              <a:endParaRPr lang="en-US"/>
+            </a:p>
+          </p:txBody>
+        </p:sp>
+        <p:sp>
+          <p:nvSpPr>
+            <p:cNvPr id="46" name="Oval 45">
+              <a:extLst>
+                <a:ext uri="{FF2B5EF4-FFF2-40B4-BE49-F238E27FC236}">
+                  <a16:creationId xmlns:a16="http://schemas.microsoft.com/office/drawing/2014/main" id="{EFE3D2D2-9F27-035A-AC8E-9818B49310CC}"/>
+                </a:ext>
+              </a:extLst>
+            </p:cNvPr>
+            <p:cNvSpPr/>
+            <p:nvPr/>
+          </p:nvSpPr>
+          <p:spPr>
+            <a:xfrm>
+              <a:off x="4087257" y="2237307"/>
+              <a:ext cx="100117" cy="100117"/>
+            </a:xfrm>
+            <a:prstGeom prst="ellipse">
+              <a:avLst/>
+            </a:prstGeom>
+            <a:grpFill/>
+            <a:ln>
+              <a:noFill/>
+            </a:ln>
+          </p:spPr>
+          <p:style>
+            <a:lnRef idx="2">
+              <a:schemeClr val="accent1">
+                <a:shade val="50000"/>
+              </a:schemeClr>
+            </a:lnRef>
+            <a:fillRef idx="1">
+              <a:schemeClr val="accent1"/>
+            </a:fillRef>
+            <a:effectRef idx="0">
+              <a:schemeClr val="accent1"/>
+            </a:effectRef>
+            <a:fontRef idx="minor">
+              <a:schemeClr val="lt1"/>
+            </a:fontRef>
+          </p:style>
+          <p:txBody>
+            <a:bodyPr rtlCol="0" anchor="ctr"/>
+            <a:lstStyle/>
+            <a:p>
+              <a:pPr algn="ctr"/>
+              <a:endParaRPr lang="en-US"/>
+            </a:p>
+          </p:txBody>
+        </p:sp>
+        <p:sp>
+          <p:nvSpPr>
+            <p:cNvPr id="47" name="Oval 46">
+              <a:extLst>
+                <a:ext uri="{FF2B5EF4-FFF2-40B4-BE49-F238E27FC236}">
+                  <a16:creationId xmlns:a16="http://schemas.microsoft.com/office/drawing/2014/main" id="{560FFF57-A79E-7024-8FF7-517D90DEC359}"/>
+                </a:ext>
+              </a:extLst>
+            </p:cNvPr>
+            <p:cNvSpPr/>
+            <p:nvPr/>
+          </p:nvSpPr>
+          <p:spPr>
+            <a:xfrm>
+              <a:off x="384624" y="2237307"/>
+              <a:ext cx="100117" cy="100117"/>
+            </a:xfrm>
+            <a:prstGeom prst="ellipse">
+              <a:avLst/>
+            </a:prstGeom>
+            <a:grpFill/>
+            <a:ln>
+              <a:noFill/>
+            </a:ln>
+          </p:spPr>
+          <p:style>
+            <a:lnRef idx="2">
+              <a:schemeClr val="accent1">
+                <a:shade val="50000"/>
+              </a:schemeClr>
+            </a:lnRef>
+            <a:fillRef idx="1">
+              <a:schemeClr val="accent1"/>
+            </a:fillRef>
+            <a:effectRef idx="0">
+              <a:schemeClr val="accent1"/>
+            </a:effectRef>
+            <a:fontRef idx="minor">
+              <a:schemeClr val="lt1"/>
+            </a:fontRef>
+          </p:style>
+          <p:txBody>
+            <a:bodyPr rtlCol="0" anchor="ctr"/>
+            <a:lstStyle/>
+            <a:p>
+              <a:pPr algn="ctr"/>
+              <a:endParaRPr lang="en-US"/>
+            </a:p>
+          </p:txBody>
+        </p:sp>
+        <p:sp>
+          <p:nvSpPr>
+            <p:cNvPr id="49" name="Oval 48">
+              <a:extLst>
+                <a:ext uri="{FF2B5EF4-FFF2-40B4-BE49-F238E27FC236}">
+                  <a16:creationId xmlns:a16="http://schemas.microsoft.com/office/drawing/2014/main" id="{5A51FCF5-8D2D-149E-4084-EEF47483FCE3}"/>
+                </a:ext>
+              </a:extLst>
+            </p:cNvPr>
+            <p:cNvSpPr/>
+            <p:nvPr/>
+          </p:nvSpPr>
+          <p:spPr>
+            <a:xfrm>
+              <a:off x="926861" y="3534232"/>
+              <a:ext cx="100117" cy="100117"/>
+            </a:xfrm>
+            <a:prstGeom prst="ellipse">
+              <a:avLst/>
+            </a:prstGeom>
+            <a:grpFill/>
+            <a:ln>
+              <a:noFill/>
+            </a:ln>
+          </p:spPr>
+          <p:style>
+            <a:lnRef idx="2">
+              <a:schemeClr val="accent1">
+                <a:shade val="50000"/>
+              </a:schemeClr>
+            </a:lnRef>
+            <a:fillRef idx="1">
+              <a:schemeClr val="accent1"/>
+            </a:fillRef>
+            <a:effectRef idx="0">
+              <a:schemeClr val="accent1"/>
+            </a:effectRef>
+            <a:fontRef idx="minor">
+              <a:schemeClr val="lt1"/>
+            </a:fontRef>
+          </p:style>
+          <p:txBody>
+            <a:bodyPr rtlCol="0" anchor="ctr"/>
+            <a:lstStyle/>
+            <a:p>
+              <a:pPr algn="ctr"/>
+              <a:endParaRPr lang="en-US"/>
+            </a:p>
+          </p:txBody>
+        </p:sp>
+        <p:sp>
+          <p:nvSpPr>
+            <p:cNvPr id="50" name="Oval 49">
+              <a:extLst>
+                <a:ext uri="{FF2B5EF4-FFF2-40B4-BE49-F238E27FC236}">
+                  <a16:creationId xmlns:a16="http://schemas.microsoft.com/office/drawing/2014/main" id="{4BF1E5BE-5BEC-786C-C9D0-B1BABD686173}"/>
+                </a:ext>
+              </a:extLst>
+            </p:cNvPr>
+            <p:cNvSpPr/>
+            <p:nvPr/>
+          </p:nvSpPr>
+          <p:spPr>
+            <a:xfrm>
+              <a:off x="3007784" y="1458607"/>
+              <a:ext cx="100117" cy="100117"/>
+            </a:xfrm>
+            <a:prstGeom prst="ellipse">
+              <a:avLst/>
+            </a:prstGeom>
+            <a:grpFill/>
+            <a:ln>
+              <a:noFill/>
+            </a:ln>
+          </p:spPr>
+          <p:style>
+            <a:lnRef idx="2">
+              <a:schemeClr val="accent1">
+                <a:shade val="50000"/>
+              </a:schemeClr>
+            </a:lnRef>
+            <a:fillRef idx="1">
+              <a:schemeClr val="accent1"/>
+            </a:fillRef>
+            <a:effectRef idx="0">
+              <a:schemeClr val="accent1"/>
+            </a:effectRef>
+            <a:fontRef idx="minor">
+              <a:schemeClr val="lt1"/>
+            </a:fontRef>
+          </p:style>
+          <p:txBody>
+            <a:bodyPr rtlCol="0" anchor="ctr"/>
+            <a:lstStyle/>
+            <a:p>
+              <a:pPr algn="ctr"/>
+              <a:endParaRPr lang="en-US"/>
+            </a:p>
+          </p:txBody>
+        </p:sp>
+        <p:sp>
+          <p:nvSpPr>
+            <p:cNvPr id="52" name="Oval 51">
+              <a:extLst>
+                <a:ext uri="{FF2B5EF4-FFF2-40B4-BE49-F238E27FC236}">
+                  <a16:creationId xmlns:a16="http://schemas.microsoft.com/office/drawing/2014/main" id="{E3D75A53-8784-A987-DEEA-5051991DFCF8}"/>
+                </a:ext>
+              </a:extLst>
+            </p:cNvPr>
+            <p:cNvSpPr/>
+            <p:nvPr/>
+          </p:nvSpPr>
+          <p:spPr>
+            <a:xfrm>
+              <a:off x="2236016" y="1144269"/>
+              <a:ext cx="100117" cy="100117"/>
+            </a:xfrm>
+            <a:prstGeom prst="ellipse">
+              <a:avLst/>
+            </a:prstGeom>
+            <a:grpFill/>
+            <a:ln>
+              <a:noFill/>
+            </a:ln>
+          </p:spPr>
+          <p:style>
+            <a:lnRef idx="2">
+              <a:schemeClr val="accent1">
+                <a:shade val="50000"/>
+              </a:schemeClr>
+            </a:lnRef>
+            <a:fillRef idx="1">
+              <a:schemeClr val="accent1"/>
+            </a:fillRef>
+            <a:effectRef idx="0">
+              <a:schemeClr val="accent1"/>
+            </a:effectRef>
+            <a:fontRef idx="minor">
+              <a:schemeClr val="lt1"/>
+            </a:fontRef>
+          </p:style>
+          <p:txBody>
+            <a:bodyPr rtlCol="0" anchor="ctr"/>
+            <a:lstStyle/>
+            <a:p>
+              <a:pPr algn="ctr"/>
+              <a:endParaRPr lang="en-US"/>
+            </a:p>
+          </p:txBody>
+        </p:sp>
+        <p:sp>
+          <p:nvSpPr>
+            <p:cNvPr id="53" name="Oval 52">
+              <a:extLst>
+                <a:ext uri="{FF2B5EF4-FFF2-40B4-BE49-F238E27FC236}">
+                  <a16:creationId xmlns:a16="http://schemas.microsoft.com/office/drawing/2014/main" id="{7EE5BD3F-5219-EC37-89B9-54730E9A7E15}"/>
+                </a:ext>
+              </a:extLst>
+            </p:cNvPr>
+            <p:cNvSpPr/>
+            <p:nvPr/>
+          </p:nvSpPr>
+          <p:spPr>
+            <a:xfrm>
+              <a:off x="1144271" y="2237307"/>
+              <a:ext cx="100117" cy="100117"/>
+            </a:xfrm>
+            <a:prstGeom prst="ellipse">
+              <a:avLst/>
+            </a:prstGeom>
+            <a:grpFill/>
+            <a:ln>
+              <a:noFill/>
+            </a:ln>
+          </p:spPr>
+          <p:style>
+            <a:lnRef idx="2">
+              <a:schemeClr val="accent1">
+                <a:shade val="50000"/>
+              </a:schemeClr>
+            </a:lnRef>
+            <a:fillRef idx="1">
+              <a:schemeClr val="accent1"/>
+            </a:fillRef>
+            <a:effectRef idx="0">
+              <a:schemeClr val="accent1"/>
+            </a:effectRef>
+            <a:fontRef idx="minor">
+              <a:schemeClr val="lt1"/>
+            </a:fontRef>
+          </p:style>
+          <p:txBody>
+            <a:bodyPr rtlCol="0" anchor="ctr"/>
+            <a:lstStyle/>
+            <a:p>
+              <a:pPr algn="ctr"/>
+              <a:endParaRPr lang="en-US"/>
+            </a:p>
+          </p:txBody>
+        </p:sp>
+        <p:sp>
+          <p:nvSpPr>
+            <p:cNvPr id="55" name="Oval 54">
+              <a:extLst>
+                <a:ext uri="{FF2B5EF4-FFF2-40B4-BE49-F238E27FC236}">
+                  <a16:creationId xmlns:a16="http://schemas.microsoft.com/office/drawing/2014/main" id="{A1A8CFE7-057E-9D06-926E-BF5F3B6AF36D}"/>
+                </a:ext>
+              </a:extLst>
+            </p:cNvPr>
+            <p:cNvSpPr/>
+            <p:nvPr/>
+          </p:nvSpPr>
+          <p:spPr>
+            <a:xfrm>
+              <a:off x="3332751" y="2237307"/>
+              <a:ext cx="100117" cy="100117"/>
+            </a:xfrm>
+            <a:prstGeom prst="ellipse">
+              <a:avLst/>
+            </a:prstGeom>
+            <a:grpFill/>
+            <a:ln>
+              <a:noFill/>
+            </a:ln>
+          </p:spPr>
+          <p:style>
+            <a:lnRef idx="2">
+              <a:schemeClr val="accent1">
+                <a:shade val="50000"/>
+              </a:schemeClr>
+            </a:lnRef>
+            <a:fillRef idx="1">
+              <a:schemeClr val="accent1"/>
+            </a:fillRef>
+            <a:effectRef idx="0">
+              <a:schemeClr val="accent1"/>
+            </a:effectRef>
+            <a:fontRef idx="minor">
+              <a:schemeClr val="lt1"/>
+            </a:fontRef>
+          </p:style>
+          <p:txBody>
+            <a:bodyPr rtlCol="0" anchor="ctr"/>
+            <a:lstStyle/>
+            <a:p>
+              <a:pPr algn="ctr"/>
+              <a:endParaRPr lang="en-US"/>
+            </a:p>
+          </p:txBody>
+        </p:sp>
+        <p:sp>
+          <p:nvSpPr>
+            <p:cNvPr id="56" name="Oval 55">
+              <a:extLst>
+                <a:ext uri="{FF2B5EF4-FFF2-40B4-BE49-F238E27FC236}">
+                  <a16:creationId xmlns:a16="http://schemas.microsoft.com/office/drawing/2014/main" id="{BED23ACD-20B7-3575-EF23-FD39143F4520}"/>
+                </a:ext>
+              </a:extLst>
+            </p:cNvPr>
+            <p:cNvSpPr/>
+            <p:nvPr/>
+          </p:nvSpPr>
+          <p:spPr>
+            <a:xfrm>
+              <a:off x="1458840" y="3007901"/>
+              <a:ext cx="100117" cy="100117"/>
+            </a:xfrm>
+            <a:prstGeom prst="ellipse">
+              <a:avLst/>
+            </a:prstGeom>
+            <a:grpFill/>
+            <a:ln>
+              <a:noFill/>
+            </a:ln>
+          </p:spPr>
+          <p:style>
+            <a:lnRef idx="2">
+              <a:schemeClr val="accent1">
+                <a:shade val="50000"/>
+              </a:schemeClr>
+            </a:lnRef>
+            <a:fillRef idx="1">
+              <a:schemeClr val="accent1"/>
+            </a:fillRef>
+            <a:effectRef idx="0">
+              <a:schemeClr val="accent1"/>
+            </a:effectRef>
+            <a:fontRef idx="minor">
+              <a:schemeClr val="lt1"/>
+            </a:fontRef>
+          </p:style>
+          <p:txBody>
+            <a:bodyPr rtlCol="0" anchor="ctr"/>
+            <a:lstStyle/>
+            <a:p>
+              <a:pPr algn="ctr"/>
+              <a:endParaRPr lang="en-US"/>
+            </a:p>
+          </p:txBody>
+        </p:sp>
+        <p:sp>
+          <p:nvSpPr>
+            <p:cNvPr id="57" name="Oval 56">
+              <a:extLst>
+                <a:ext uri="{FF2B5EF4-FFF2-40B4-BE49-F238E27FC236}">
+                  <a16:creationId xmlns:a16="http://schemas.microsoft.com/office/drawing/2014/main" id="{A362854B-D32A-5870-899D-CE590F9276DA}"/>
+                </a:ext>
+              </a:extLst>
+            </p:cNvPr>
+            <p:cNvSpPr/>
+            <p:nvPr/>
+          </p:nvSpPr>
+          <p:spPr>
+            <a:xfrm>
+              <a:off x="2236016" y="3327493"/>
+              <a:ext cx="100117" cy="100117"/>
+            </a:xfrm>
+            <a:prstGeom prst="ellipse">
+              <a:avLst/>
+            </a:prstGeom>
+            <a:grpFill/>
+            <a:ln>
+              <a:noFill/>
+            </a:ln>
+          </p:spPr>
+          <p:style>
+            <a:lnRef idx="2">
+              <a:schemeClr val="accent1">
+                <a:shade val="50000"/>
+              </a:schemeClr>
+            </a:lnRef>
+            <a:fillRef idx="1">
+              <a:schemeClr val="accent1"/>
+            </a:fillRef>
+            <a:effectRef idx="0">
+              <a:schemeClr val="accent1"/>
+            </a:effectRef>
+            <a:fontRef idx="minor">
+              <a:schemeClr val="lt1"/>
+            </a:fontRef>
+          </p:style>
+          <p:txBody>
+            <a:bodyPr rtlCol="0" anchor="ctr"/>
+            <a:lstStyle/>
+            <a:p>
+              <a:pPr algn="ctr"/>
+              <a:endParaRPr lang="en-US"/>
+            </a:p>
+          </p:txBody>
+        </p:sp>
+        <p:sp>
+          <p:nvSpPr>
+            <p:cNvPr id="59" name="Oval 58">
+              <a:extLst>
+                <a:ext uri="{FF2B5EF4-FFF2-40B4-BE49-F238E27FC236}">
+                  <a16:creationId xmlns:a16="http://schemas.microsoft.com/office/drawing/2014/main" id="{BC786A4A-29C6-A5DB-F41F-47A9118F3FC9}"/>
+                </a:ext>
+              </a:extLst>
+            </p:cNvPr>
+            <p:cNvSpPr/>
+            <p:nvPr/>
+          </p:nvSpPr>
+          <p:spPr>
+            <a:xfrm>
+              <a:off x="2236016" y="1791565"/>
+              <a:ext cx="100117" cy="100117"/>
+            </a:xfrm>
+            <a:prstGeom prst="ellipse">
+              <a:avLst/>
+            </a:prstGeom>
+            <a:grpFill/>
+            <a:ln>
+              <a:noFill/>
+            </a:ln>
+          </p:spPr>
+          <p:style>
+            <a:lnRef idx="2">
+              <a:schemeClr val="accent1">
+                <a:shade val="50000"/>
+              </a:schemeClr>
+            </a:lnRef>
+            <a:fillRef idx="1">
+              <a:schemeClr val="accent1"/>
+            </a:fillRef>
+            <a:effectRef idx="0">
+              <a:schemeClr val="accent1"/>
+            </a:effectRef>
+            <a:fontRef idx="minor">
+              <a:schemeClr val="lt1"/>
+            </a:fontRef>
+          </p:style>
+          <p:txBody>
+            <a:bodyPr rtlCol="0" anchor="ctr"/>
+            <a:lstStyle/>
+            <a:p>
+              <a:pPr algn="ctr"/>
+              <a:endParaRPr lang="en-US"/>
+            </a:p>
+          </p:txBody>
+        </p:sp>
+        <p:sp>
+          <p:nvSpPr>
+            <p:cNvPr id="60" name="Oval 59">
+              <a:extLst>
+                <a:ext uri="{FF2B5EF4-FFF2-40B4-BE49-F238E27FC236}">
+                  <a16:creationId xmlns:a16="http://schemas.microsoft.com/office/drawing/2014/main" id="{53AD941A-BCF6-7D22-CE32-0CBF4EB3B70C}"/>
+                </a:ext>
+              </a:extLst>
+            </p:cNvPr>
+            <p:cNvSpPr/>
+            <p:nvPr/>
+          </p:nvSpPr>
+          <p:spPr>
+            <a:xfrm>
+              <a:off x="2692401" y="2237307"/>
+              <a:ext cx="100117" cy="100117"/>
+            </a:xfrm>
+            <a:prstGeom prst="ellipse">
+              <a:avLst/>
+            </a:prstGeom>
+            <a:grpFill/>
+            <a:ln>
+              <a:noFill/>
+            </a:ln>
+          </p:spPr>
+          <p:style>
+            <a:lnRef idx="2">
+              <a:schemeClr val="accent1">
+                <a:shade val="50000"/>
+              </a:schemeClr>
+            </a:lnRef>
+            <a:fillRef idx="1">
+              <a:schemeClr val="accent1"/>
+            </a:fillRef>
+            <a:effectRef idx="0">
+              <a:schemeClr val="accent1"/>
+            </a:effectRef>
+            <a:fontRef idx="minor">
+              <a:schemeClr val="lt1"/>
+            </a:fontRef>
+          </p:style>
+          <p:txBody>
+            <a:bodyPr rtlCol="0" anchor="ctr"/>
+            <a:lstStyle/>
+            <a:p>
+              <a:pPr algn="ctr"/>
+              <a:endParaRPr lang="en-US"/>
+            </a:p>
+          </p:txBody>
+        </p:sp>
+        <p:sp>
+          <p:nvSpPr>
+            <p:cNvPr id="62" name="Oval 61">
+              <a:extLst>
+                <a:ext uri="{FF2B5EF4-FFF2-40B4-BE49-F238E27FC236}">
+                  <a16:creationId xmlns:a16="http://schemas.microsoft.com/office/drawing/2014/main" id="{E23EC975-0FE5-8904-005A-B07A83539C45}"/>
+                </a:ext>
+              </a:extLst>
+            </p:cNvPr>
+            <p:cNvSpPr/>
+            <p:nvPr/>
+          </p:nvSpPr>
+          <p:spPr>
+            <a:xfrm>
+              <a:off x="1783805" y="2237307"/>
+              <a:ext cx="100117" cy="100117"/>
+            </a:xfrm>
+            <a:prstGeom prst="ellipse">
+              <a:avLst/>
+            </a:prstGeom>
+            <a:grpFill/>
+            <a:ln>
+              <a:noFill/>
+            </a:ln>
+          </p:spPr>
+          <p:style>
+            <a:lnRef idx="2">
+              <a:schemeClr val="accent1">
+                <a:shade val="50000"/>
+              </a:schemeClr>
+            </a:lnRef>
+            <a:fillRef idx="1">
+              <a:schemeClr val="accent1"/>
+            </a:fillRef>
+            <a:effectRef idx="0">
+              <a:schemeClr val="accent1"/>
+            </a:effectRef>
+            <a:fontRef idx="minor">
+              <a:schemeClr val="lt1"/>
+            </a:fontRef>
+          </p:style>
+          <p:txBody>
+            <a:bodyPr rtlCol="0" anchor="ctr"/>
+            <a:lstStyle/>
+            <a:p>
+              <a:pPr algn="ctr"/>
+              <a:endParaRPr lang="en-US"/>
+            </a:p>
+          </p:txBody>
+        </p:sp>
+        <p:sp>
+          <p:nvSpPr>
+            <p:cNvPr id="63" name="Oval 62">
+              <a:extLst>
+                <a:ext uri="{FF2B5EF4-FFF2-40B4-BE49-F238E27FC236}">
+                  <a16:creationId xmlns:a16="http://schemas.microsoft.com/office/drawing/2014/main" id="{98BE0BB8-BF2C-43EE-6821-52DC25D832BB}"/>
+                </a:ext>
+              </a:extLst>
+            </p:cNvPr>
+            <p:cNvSpPr/>
+            <p:nvPr/>
+          </p:nvSpPr>
+          <p:spPr>
+            <a:xfrm>
+              <a:off x="2236016" y="2680400"/>
+              <a:ext cx="100117" cy="100117"/>
+            </a:xfrm>
+            <a:prstGeom prst="ellipse">
+              <a:avLst/>
+            </a:prstGeom>
+            <a:grpFill/>
+            <a:ln>
+              <a:noFill/>
+            </a:ln>
+          </p:spPr>
+          <p:style>
+            <a:lnRef idx="2">
+              <a:schemeClr val="accent1">
+                <a:shade val="50000"/>
+              </a:schemeClr>
+            </a:lnRef>
+            <a:fillRef idx="1">
+              <a:schemeClr val="accent1"/>
+            </a:fillRef>
+            <a:effectRef idx="0">
+              <a:schemeClr val="accent1"/>
+            </a:effectRef>
+            <a:fontRef idx="minor">
+              <a:schemeClr val="lt1"/>
+            </a:fontRef>
+          </p:style>
+          <p:txBody>
+            <a:bodyPr rtlCol="0" anchor="ctr"/>
+            <a:lstStyle/>
+            <a:p>
+              <a:pPr algn="ctr"/>
+              <a:endParaRPr lang="en-US"/>
+            </a:p>
+          </p:txBody>
+        </p:sp>
+        <p:sp>
+          <p:nvSpPr>
+            <p:cNvPr id="65" name="Oval 64">
+              <a:extLst>
+                <a:ext uri="{FF2B5EF4-FFF2-40B4-BE49-F238E27FC236}">
+                  <a16:creationId xmlns:a16="http://schemas.microsoft.com/office/drawing/2014/main" id="{7F6EAEF4-3923-9E46-EE87-575BFEDB7722}"/>
+                </a:ext>
+              </a:extLst>
+            </p:cNvPr>
+            <p:cNvSpPr/>
+            <p:nvPr/>
+          </p:nvSpPr>
+          <p:spPr>
+            <a:xfrm>
+              <a:off x="1464096" y="1466596"/>
+              <a:ext cx="100117" cy="100117"/>
+            </a:xfrm>
+            <a:prstGeom prst="ellipse">
+              <a:avLst/>
+            </a:prstGeom>
+            <a:grpFill/>
+            <a:ln>
+              <a:noFill/>
+            </a:ln>
+          </p:spPr>
+          <p:style>
+            <a:lnRef idx="2">
+              <a:schemeClr val="accent1">
+                <a:shade val="50000"/>
+              </a:schemeClr>
+            </a:lnRef>
+            <a:fillRef idx="1">
+              <a:schemeClr val="accent1"/>
+            </a:fillRef>
+            <a:effectRef idx="0">
+              <a:schemeClr val="accent1"/>
+            </a:effectRef>
+            <a:fontRef idx="minor">
+              <a:schemeClr val="lt1"/>
+            </a:fontRef>
+          </p:style>
+          <p:txBody>
+            <a:bodyPr rtlCol="0" anchor="ctr"/>
+            <a:lstStyle/>
+            <a:p>
+              <a:pPr algn="ctr"/>
+              <a:endParaRPr lang="en-US"/>
+            </a:p>
+          </p:txBody>
+        </p:sp>
+        <p:sp>
+          <p:nvSpPr>
+            <p:cNvPr id="66" name="Oval 65">
+              <a:extLst>
+                <a:ext uri="{FF2B5EF4-FFF2-40B4-BE49-F238E27FC236}">
+                  <a16:creationId xmlns:a16="http://schemas.microsoft.com/office/drawing/2014/main" id="{90D661EE-B0A4-C534-C195-53AA928A06F2}"/>
+                </a:ext>
+              </a:extLst>
+            </p:cNvPr>
+            <p:cNvSpPr/>
+            <p:nvPr/>
+          </p:nvSpPr>
+          <p:spPr>
+            <a:xfrm>
+              <a:off x="3545019" y="3534232"/>
+              <a:ext cx="100117" cy="100117"/>
+            </a:xfrm>
+            <a:prstGeom prst="ellipse">
+              <a:avLst/>
+            </a:prstGeom>
+            <a:grpFill/>
+            <a:ln>
+              <a:noFill/>
+            </a:ln>
+          </p:spPr>
+          <p:style>
+            <a:lnRef idx="2">
+              <a:schemeClr val="accent1">
+                <a:shade val="50000"/>
+              </a:schemeClr>
+            </a:lnRef>
+            <a:fillRef idx="1">
+              <a:schemeClr val="accent1"/>
+            </a:fillRef>
+            <a:effectRef idx="0">
+              <a:schemeClr val="accent1"/>
+            </a:effectRef>
+            <a:fontRef idx="minor">
+              <a:schemeClr val="lt1"/>
+            </a:fontRef>
+          </p:style>
+          <p:txBody>
+            <a:bodyPr rtlCol="0" anchor="ctr"/>
+            <a:lstStyle/>
+            <a:p>
+              <a:pPr algn="ctr"/>
+              <a:endParaRPr lang="en-US"/>
+            </a:p>
+          </p:txBody>
+        </p:sp>
+        <p:sp>
+          <p:nvSpPr>
+            <p:cNvPr id="68" name="Oval 67">
+              <a:extLst>
+                <a:ext uri="{FF2B5EF4-FFF2-40B4-BE49-F238E27FC236}">
+                  <a16:creationId xmlns:a16="http://schemas.microsoft.com/office/drawing/2014/main" id="{0A38FB1A-2437-031F-52D4-6245E1C95FA4}"/>
+                </a:ext>
+              </a:extLst>
+            </p:cNvPr>
+            <p:cNvSpPr/>
+            <p:nvPr/>
+          </p:nvSpPr>
+          <p:spPr>
+            <a:xfrm>
+              <a:off x="2236016" y="4087258"/>
+              <a:ext cx="100117" cy="100117"/>
+            </a:xfrm>
+            <a:prstGeom prst="ellipse">
+              <a:avLst/>
+            </a:prstGeom>
+            <a:grpFill/>
+            <a:ln>
+              <a:noFill/>
+            </a:ln>
+          </p:spPr>
+          <p:style>
+            <a:lnRef idx="2">
+              <a:schemeClr val="accent1">
+                <a:shade val="50000"/>
+              </a:schemeClr>
+            </a:lnRef>
+            <a:fillRef idx="1">
+              <a:schemeClr val="accent1"/>
+            </a:fillRef>
+            <a:effectRef idx="0">
+              <a:schemeClr val="accent1"/>
+            </a:effectRef>
+            <a:fontRef idx="minor">
+              <a:schemeClr val="lt1"/>
+            </a:fontRef>
+          </p:style>
+          <p:txBody>
+            <a:bodyPr rtlCol="0" anchor="ctr"/>
+            <a:lstStyle/>
+            <a:p>
+              <a:pPr algn="ctr"/>
+              <a:endParaRPr lang="en-US"/>
+            </a:p>
+          </p:txBody>
+        </p:sp>
+      </p:grpSp>
     </p:spTree>
     <p:extLst>
       <p:ext uri="{BB962C8B-B14F-4D97-AF65-F5344CB8AC3E}">
